--- a/image/프로젝트 기획서.pptx
+++ b/image/프로젝트 기획서.pptx
@@ -14547,11 +14547,7 @@
             </a:pPr>
             <a:r>
               <a:rPr lang="ko-KR"/>
-              <a:t>프로젝트 </a:t>
-            </a:r>
-            <a:r>
-              <a:rPr lang="ko-KR"/>
-              <a:t>기획서</a:t>
+              <a:t>프로젝트 기획서</a:t>
             </a:r>
             <a:endParaRPr/>
           </a:p>
